--- a/PPT/DeepLearning14-Hybrid.pptx
+++ b/PPT/DeepLearning14-Hybrid.pptx
@@ -5,10 +5,10 @@
     <p:sldMasterId id="2147483653" r:id="rId1"/>
   </p:sldMasterIdLst>
   <p:notesMasterIdLst>
-    <p:notesMasterId r:id="rId13"/>
+    <p:notesMasterId r:id="rId12"/>
   </p:notesMasterIdLst>
   <p:handoutMasterIdLst>
-    <p:handoutMasterId r:id="rId14"/>
+    <p:handoutMasterId r:id="rId13"/>
   </p:handoutMasterIdLst>
   <p:sldIdLst>
     <p:sldId id="264" r:id="rId2"/>
@@ -21,7 +21,6 @@
     <p:sldId id="278" r:id="rId9"/>
     <p:sldId id="287" r:id="rId10"/>
     <p:sldId id="286" r:id="rId11"/>
-    <p:sldId id="279" r:id="rId12"/>
   </p:sldIdLst>
   <p:sldSz cx="9144000" cy="6858000" type="screen4x3"/>
   <p:notesSz cx="6648450" cy="9782175"/>
@@ -3879,140 +3878,6 @@
     <p:extLst>
       <p:ext uri="{BB962C8B-B14F-4D97-AF65-F5344CB8AC3E}">
         <p14:creationId xmlns:p14="http://schemas.microsoft.com/office/powerpoint/2010/main" val="1295406199"/>
-      </p:ext>
-    </p:extLst>
-  </p:cSld>
-  <p:clrMapOvr>
-    <a:masterClrMapping/>
-  </p:clrMapOvr>
-</p:sld>
-</file>
-
-<file path=ppt/slides/slide11.xml><?xml version="1.0" encoding="utf-8"?>
-<p:sld xmlns:a="http://schemas.openxmlformats.org/drawingml/2006/main" xmlns:r="http://schemas.openxmlformats.org/officeDocument/2006/relationships" xmlns:p="http://schemas.openxmlformats.org/presentationml/2006/main">
-  <p:cSld>
-    <p:spTree>
-      <p:nvGrpSpPr>
-        <p:cNvPr id="1" name=""/>
-        <p:cNvGrpSpPr/>
-        <p:nvPr/>
-      </p:nvGrpSpPr>
-      <p:grpSpPr>
-        <a:xfrm>
-          <a:off x="0" y="0"/>
-          <a:ext cx="0" cy="0"/>
-          <a:chOff x="0" y="0"/>
-          <a:chExt cx="0" cy="0"/>
-        </a:xfrm>
-      </p:grpSpPr>
-      <p:sp>
-        <p:nvSpPr>
-          <p:cNvPr id="2" name="Titre 1">
-            <a:extLst>
-              <a:ext uri="{FF2B5EF4-FFF2-40B4-BE49-F238E27FC236}">
-                <a16:creationId xmlns:a16="http://schemas.microsoft.com/office/drawing/2014/main" id="{497CC388-DA47-4F86-8B40-5AFC7E322D20}"/>
-              </a:ext>
-            </a:extLst>
-          </p:cNvPr>
-          <p:cNvSpPr>
-            <a:spLocks noGrp="1"/>
-          </p:cNvSpPr>
-          <p:nvPr>
-            <p:ph type="title"/>
-          </p:nvPr>
-        </p:nvSpPr>
-        <p:spPr/>
-        <p:txBody>
-          <a:bodyPr/>
-          <a:lstStyle/>
-          <a:p>
-            <a:endParaRPr lang="fr-FR"/>
-          </a:p>
-        </p:txBody>
-      </p:sp>
-      <p:sp>
-        <p:nvSpPr>
-          <p:cNvPr id="3" name="Espace réservé du contenu 2">
-            <a:extLst>
-              <a:ext uri="{FF2B5EF4-FFF2-40B4-BE49-F238E27FC236}">
-                <a16:creationId xmlns:a16="http://schemas.microsoft.com/office/drawing/2014/main" id="{AB856DC5-3590-4755-A9E3-F7874DD497A4}"/>
-              </a:ext>
-            </a:extLst>
-          </p:cNvPr>
-          <p:cNvSpPr>
-            <a:spLocks noGrp="1"/>
-          </p:cNvSpPr>
-          <p:nvPr>
-            <p:ph idx="1"/>
-          </p:nvPr>
-        </p:nvSpPr>
-        <p:spPr/>
-        <p:txBody>
-          <a:bodyPr/>
-          <a:lstStyle/>
-          <a:p>
-            <a:pPr marL="0" indent="0">
-              <a:buNone/>
-            </a:pPr>
-            <a:r>
-              <a:rPr lang="fr-FR" dirty="0"/>
-              <a:t>Data =&gt; RF</a:t>
-            </a:r>
-          </a:p>
-          <a:p>
-            <a:pPr marL="2743200" lvl="6" indent="0">
-              <a:buNone/>
-            </a:pPr>
-            <a:r>
-              <a:rPr lang="fr-FR" sz="2800" dirty="0"/>
-              <a:t>          Merge =&gt; MLP</a:t>
-            </a:r>
-          </a:p>
-          <a:p>
-            <a:pPr marL="0" indent="0">
-              <a:buNone/>
-            </a:pPr>
-            <a:r>
-              <a:rPr lang="fr-FR" dirty="0"/>
-              <a:t>Images =&gt; CNN</a:t>
-            </a:r>
-          </a:p>
-          <a:p>
-            <a:pPr marL="0" indent="0">
-              <a:buNone/>
-            </a:pPr>
-            <a:r>
-              <a:rPr lang="fr-FR" dirty="0"/>
-              <a:t>	    =&gt;        + </a:t>
-            </a:r>
-            <a:r>
-              <a:rPr lang="fr-FR"/>
-              <a:t>RF &lt;= </a:t>
-            </a:r>
-            <a:r>
-              <a:rPr lang="fr-FR" dirty="0" err="1"/>
-              <a:t>Feature</a:t>
-            </a:r>
-            <a:r>
-              <a:rPr lang="fr-FR" dirty="0"/>
-              <a:t> importances</a:t>
-            </a:r>
-          </a:p>
-          <a:p>
-            <a:pPr marL="0" indent="0">
-              <a:buNone/>
-            </a:pPr>
-            <a:r>
-              <a:rPr lang="fr-FR" dirty="0"/>
-              <a:t>		</a:t>
-            </a:r>
-          </a:p>
-        </p:txBody>
-      </p:sp>
-    </p:spTree>
-    <p:extLst>
-      <p:ext uri="{BB962C8B-B14F-4D97-AF65-F5344CB8AC3E}">
-        <p14:creationId xmlns:p14="http://schemas.microsoft.com/office/powerpoint/2010/main" val="133495203"/>
       </p:ext>
     </p:extLst>
   </p:cSld>

--- a/PPT/DeepLearning14-Hybrid.pptx
+++ b/PPT/DeepLearning14-Hybrid.pptx
@@ -3943,7 +3943,7 @@
           <a:p>
             <a:r>
               <a:rPr lang="fr-FR" dirty="0"/>
-              <a:t>Il existe de nombreux autres modèles de classification</a:t>
+              <a:t>Il existe de nombreux autres modèles</a:t>
             </a:r>
           </a:p>
           <a:p>
@@ -3958,7 +3958,7 @@
             <a:pPr lvl="1"/>
             <a:r>
               <a:rPr lang="fr-FR" dirty="0"/>
-              <a:t>KVM</a:t>
+              <a:t>SVM</a:t>
             </a:r>
           </a:p>
           <a:p>
